--- a/trunk/Project 2/PartFinal/CS554_EuroTeam_Project2_Final_Mikko.pptx
+++ b/trunk/Project 2/PartFinal/CS554_EuroTeam_Project2_Final_Mikko.pptx
@@ -5,10 +5,10 @@
     <p:sldMasterId id="2147483660" r:id="rId2"/>
   </p:sldMasterIdLst>
   <p:notesMasterIdLst>
-    <p:notesMasterId r:id="rId30"/>
+    <p:notesMasterId r:id="rId34"/>
   </p:notesMasterIdLst>
   <p:handoutMasterIdLst>
-    <p:handoutMasterId r:id="rId31"/>
+    <p:handoutMasterId r:id="rId35"/>
   </p:handoutMasterIdLst>
   <p:sldIdLst>
     <p:sldId id="256" r:id="rId3"/>
@@ -38,6 +38,10 @@
     <p:sldId id="291" r:id="rId27"/>
     <p:sldId id="304" r:id="rId28"/>
     <p:sldId id="286" r:id="rId29"/>
+    <p:sldId id="330" r:id="rId30"/>
+    <p:sldId id="331" r:id="rId31"/>
+    <p:sldId id="332" r:id="rId32"/>
+    <p:sldId id="333" r:id="rId33"/>
   </p:sldIdLst>
   <p:sldSz cx="9144000" cy="6858000" type="screen4x3"/>
   <p:notesSz cx="7099300" cy="10234613"/>
@@ -21806,7 +21810,7 @@
         </p:nvGraphicFramePr>
         <p:xfrm>
           <a:off x="304800" y="1828800"/>
-          <a:ext cx="8534400" cy="3794760"/>
+          <a:ext cx="8534400" cy="3794759"/>
         </p:xfrm>
         <a:graphic>
           <a:graphicData uri="http://schemas.openxmlformats.org/drawingml/2006/table">
@@ -23511,6 +23515,1055 @@
 </p:sld>
 </file>
 
+<file path=ppt/slides/slide28.xml><?xml version="1.0" encoding="utf-8"?>
+<p:sld xmlns:a="http://schemas.openxmlformats.org/drawingml/2006/main" xmlns:r="http://schemas.openxmlformats.org/officeDocument/2006/relationships" xmlns:mc="http://schemas.openxmlformats.org/markup-compatibility/2006" xmlns:mv="urn:schemas-microsoft-com:mac:vml" xmlns:p="http://schemas.openxmlformats.org/presentationml/2006/main" mc:Ignorable="mv" mc:PreserveAttributes="mv:*">
+  <p:cSld>
+    <p:spTree>
+      <p:nvGrpSpPr>
+        <p:cNvPr id="1" name=""/>
+        <p:cNvGrpSpPr/>
+        <p:nvPr/>
+      </p:nvGrpSpPr>
+      <p:grpSpPr>
+        <a:xfrm>
+          <a:off x="0" y="0"/>
+          <a:ext cx="0" cy="0"/>
+          <a:chOff x="0" y="0"/>
+          <a:chExt cx="0" cy="0"/>
+        </a:xfrm>
+      </p:grpSpPr>
+      <p:sp>
+        <p:nvSpPr>
+          <p:cNvPr id="2" name="Title 1"/>
+          <p:cNvSpPr>
+            <a:spLocks noGrp="1"/>
+          </p:cNvSpPr>
+          <p:nvPr>
+            <p:ph type="ctrTitle"/>
+          </p:nvPr>
+        </p:nvSpPr>
+        <p:spPr/>
+        <p:txBody>
+          <a:bodyPr/>
+          <a:lstStyle/>
+          <a:p>
+            <a:r>
+              <a:rPr lang="en-US" dirty="0" smtClean="0"/>
+              <a:t>Architectural approach analysis</a:t>
+            </a:r>
+            <a:endParaRPr lang="en-US" dirty="0"/>
+          </a:p>
+        </p:txBody>
+      </p:sp>
+      <p:sp>
+        <p:nvSpPr>
+          <p:cNvPr id="3" name="Text Placeholder 2"/>
+          <p:cNvSpPr>
+            <a:spLocks noGrp="1"/>
+          </p:cNvSpPr>
+          <p:nvPr>
+            <p:ph type="body" sz="quarter" idx="10"/>
+          </p:nvPr>
+        </p:nvSpPr>
+        <p:spPr/>
+        <p:txBody>
+          <a:bodyPr/>
+          <a:lstStyle/>
+          <a:p>
+            <a:endParaRPr lang="en-US" dirty="0"/>
+          </a:p>
+        </p:txBody>
+      </p:sp>
+      <p:graphicFrame>
+        <p:nvGraphicFramePr>
+          <p:cNvPr id="4" name="Table 3"/>
+          <p:cNvGraphicFramePr>
+            <a:graphicFrameLocks noGrp="1"/>
+          </p:cNvGraphicFramePr>
+          <p:nvPr/>
+        </p:nvGraphicFramePr>
+        <p:xfrm>
+          <a:off x="228600" y="1498600"/>
+          <a:ext cx="8458201" cy="5359400"/>
+        </p:xfrm>
+        <a:graphic>
+          <a:graphicData uri="http://schemas.openxmlformats.org/drawingml/2006/table">
+            <a:tbl>
+              <a:tblPr firstRow="1" bandRow="1">
+                <a:tableStyleId>{5C22544A-7EE6-4342-B048-85BDC9FD1C3A}</a:tableStyleId>
+              </a:tblPr>
+              <a:tblGrid>
+                <a:gridCol w="2643188"/>
+                <a:gridCol w="1938338"/>
+                <a:gridCol w="1938337"/>
+                <a:gridCol w="1938338"/>
+              </a:tblGrid>
+              <a:tr h="370840">
+                <a:tc>
+                  <a:txBody>
+                    <a:bodyPr/>
+                    <a:lstStyle/>
+                    <a:p>
+                      <a:r>
+                        <a:rPr lang="en-US" dirty="0" smtClean="0"/>
+                        <a:t>Scenario</a:t>
+                      </a:r>
+                      <a:endParaRPr lang="en-US" dirty="0"/>
+                    </a:p>
+                  </a:txBody>
+                  <a:tcPr/>
+                </a:tc>
+                <a:tc gridSpan="3">
+                  <a:txBody>
+                    <a:bodyPr/>
+                    <a:lstStyle/>
+                    <a:p>
+                      <a:r>
+                        <a:rPr lang="en-US" dirty="0" smtClean="0"/>
+                        <a:t>S1</a:t>
+                      </a:r>
+                      <a:r>
+                        <a:rPr lang="en-US" baseline="0" dirty="0" smtClean="0"/>
+                        <a:t> (Maintain operation despite sub-system failure)</a:t>
+                      </a:r>
+                      <a:endParaRPr lang="en-US" dirty="0"/>
+                    </a:p>
+                  </a:txBody>
+                  <a:tcPr/>
+                </a:tc>
+                <a:tc hMerge="1">
+                  <a:txBody>
+                    <a:bodyPr/>
+                    <a:lstStyle/>
+                    <a:p>
+                      <a:endParaRPr lang="en-US"/>
+                    </a:p>
+                  </a:txBody>
+                  <a:tcPr/>
+                </a:tc>
+                <a:tc hMerge="1">
+                  <a:txBody>
+                    <a:bodyPr/>
+                    <a:lstStyle/>
+                    <a:p>
+                      <a:endParaRPr lang="en-US"/>
+                    </a:p>
+                  </a:txBody>
+                  <a:tcPr/>
+                </a:tc>
+              </a:tr>
+              <a:tr h="370840">
+                <a:tc>
+                  <a:txBody>
+                    <a:bodyPr/>
+                    <a:lstStyle/>
+                    <a:p>
+                      <a:r>
+                        <a:rPr lang="en-US" b="1" dirty="0" smtClean="0"/>
+                        <a:t>Attribute</a:t>
+                      </a:r>
+                      <a:endParaRPr lang="en-US" b="1" dirty="0"/>
+                    </a:p>
+                  </a:txBody>
+                  <a:tcPr/>
+                </a:tc>
+                <a:tc gridSpan="3">
+                  <a:txBody>
+                    <a:bodyPr/>
+                    <a:lstStyle/>
+                    <a:p>
+                      <a:r>
+                        <a:rPr lang="en-US" dirty="0" smtClean="0"/>
+                        <a:t>Availability</a:t>
+                      </a:r>
+                      <a:endParaRPr lang="en-US" dirty="0"/>
+                    </a:p>
+                  </a:txBody>
+                  <a:tcPr/>
+                </a:tc>
+                <a:tc hMerge="1">
+                  <a:txBody>
+                    <a:bodyPr/>
+                    <a:lstStyle/>
+                    <a:p>
+                      <a:endParaRPr lang="en-US"/>
+                    </a:p>
+                  </a:txBody>
+                  <a:tcPr/>
+                </a:tc>
+                <a:tc hMerge="1">
+                  <a:txBody>
+                    <a:bodyPr/>
+                    <a:lstStyle/>
+                    <a:p>
+                      <a:endParaRPr lang="en-US"/>
+                    </a:p>
+                  </a:txBody>
+                  <a:tcPr/>
+                </a:tc>
+              </a:tr>
+              <a:tr h="370840">
+                <a:tc>
+                  <a:txBody>
+                    <a:bodyPr/>
+                    <a:lstStyle/>
+                    <a:p>
+                      <a:r>
+                        <a:rPr lang="en-US" b="1" dirty="0" smtClean="0"/>
+                        <a:t>Environment</a:t>
+                      </a:r>
+                      <a:endParaRPr lang="en-US" b="1" dirty="0"/>
+                    </a:p>
+                  </a:txBody>
+                  <a:tcPr/>
+                </a:tc>
+                <a:tc gridSpan="3">
+                  <a:txBody>
+                    <a:bodyPr/>
+                    <a:lstStyle/>
+                    <a:p>
+                      <a:r>
+                        <a:rPr lang="en-US" dirty="0" smtClean="0"/>
+                        <a:t>Normal operation</a:t>
+                      </a:r>
+                      <a:endParaRPr lang="en-US" dirty="0"/>
+                    </a:p>
+                  </a:txBody>
+                  <a:tcPr/>
+                </a:tc>
+                <a:tc hMerge="1">
+                  <a:txBody>
+                    <a:bodyPr/>
+                    <a:lstStyle/>
+                    <a:p>
+                      <a:endParaRPr lang="en-US"/>
+                    </a:p>
+                  </a:txBody>
+                  <a:tcPr/>
+                </a:tc>
+                <a:tc hMerge="1">
+                  <a:txBody>
+                    <a:bodyPr/>
+                    <a:lstStyle/>
+                    <a:p>
+                      <a:endParaRPr lang="en-US"/>
+                    </a:p>
+                  </a:txBody>
+                  <a:tcPr/>
+                </a:tc>
+              </a:tr>
+              <a:tr h="370840">
+                <a:tc>
+                  <a:txBody>
+                    <a:bodyPr/>
+                    <a:lstStyle/>
+                    <a:p>
+                      <a:r>
+                        <a:rPr lang="en-US" b="1" dirty="0" smtClean="0"/>
+                        <a:t>Stimulus</a:t>
+                      </a:r>
+                      <a:endParaRPr lang="en-US" b="1" dirty="0"/>
+                    </a:p>
+                  </a:txBody>
+                  <a:tcPr/>
+                </a:tc>
+                <a:tc gridSpan="3">
+                  <a:txBody>
+                    <a:bodyPr/>
+                    <a:lstStyle/>
+                    <a:p>
+                      <a:r>
+                        <a:rPr lang="en-US" dirty="0" smtClean="0"/>
+                        <a:t>Sub-system</a:t>
+                      </a:r>
+                      <a:r>
+                        <a:rPr lang="en-US" baseline="0" dirty="0" smtClean="0"/>
+                        <a:t> failure</a:t>
+                      </a:r>
+                      <a:endParaRPr lang="en-US" dirty="0"/>
+                    </a:p>
+                  </a:txBody>
+                  <a:tcPr/>
+                </a:tc>
+                <a:tc hMerge="1">
+                  <a:txBody>
+                    <a:bodyPr/>
+                    <a:lstStyle/>
+                    <a:p>
+                      <a:endParaRPr lang="en-US"/>
+                    </a:p>
+                  </a:txBody>
+                  <a:tcPr/>
+                </a:tc>
+                <a:tc hMerge="1">
+                  <a:txBody>
+                    <a:bodyPr/>
+                    <a:lstStyle/>
+                    <a:p>
+                      <a:endParaRPr lang="en-US"/>
+                    </a:p>
+                  </a:txBody>
+                  <a:tcPr/>
+                </a:tc>
+              </a:tr>
+              <a:tr h="370840">
+                <a:tc>
+                  <a:txBody>
+                    <a:bodyPr/>
+                    <a:lstStyle/>
+                    <a:p>
+                      <a:r>
+                        <a:rPr lang="en-US" b="1" dirty="0" smtClean="0"/>
+                        <a:t>Response</a:t>
+                      </a:r>
+                      <a:endParaRPr lang="en-US" b="1" dirty="0"/>
+                    </a:p>
+                  </a:txBody>
+                  <a:tcPr/>
+                </a:tc>
+                <a:tc gridSpan="3">
+                  <a:txBody>
+                    <a:bodyPr/>
+                    <a:lstStyle/>
+                    <a:p>
+                      <a:r>
+                        <a:rPr lang="en-US" dirty="0" smtClean="0"/>
+                        <a:t>Availability</a:t>
+                      </a:r>
+                      <a:r>
+                        <a:rPr lang="en-US" baseline="0" dirty="0" smtClean="0"/>
+                        <a:t> of rest of the system</a:t>
+                      </a:r>
+                      <a:endParaRPr lang="en-US" dirty="0"/>
+                    </a:p>
+                  </a:txBody>
+                  <a:tcPr/>
+                </a:tc>
+                <a:tc hMerge="1">
+                  <a:txBody>
+                    <a:bodyPr/>
+                    <a:lstStyle/>
+                    <a:p>
+                      <a:endParaRPr lang="en-US"/>
+                    </a:p>
+                  </a:txBody>
+                  <a:tcPr/>
+                </a:tc>
+                <a:tc hMerge="1">
+                  <a:txBody>
+                    <a:bodyPr/>
+                    <a:lstStyle/>
+                    <a:p>
+                      <a:endParaRPr lang="en-US"/>
+                    </a:p>
+                  </a:txBody>
+                  <a:tcPr/>
+                </a:tc>
+              </a:tr>
+              <a:tr h="370840">
+                <a:tc>
+                  <a:txBody>
+                    <a:bodyPr/>
+                    <a:lstStyle/>
+                    <a:p>
+                      <a:r>
+                        <a:rPr lang="en-US" b="1" dirty="0" smtClean="0"/>
+                        <a:t>Architectural</a:t>
+                      </a:r>
+                      <a:r>
+                        <a:rPr lang="en-US" b="1" baseline="0" dirty="0" smtClean="0"/>
+                        <a:t> decisions</a:t>
+                      </a:r>
+                      <a:endParaRPr lang="en-US" b="1" dirty="0"/>
+                    </a:p>
+                  </a:txBody>
+                  <a:tcPr/>
+                </a:tc>
+                <a:tc>
+                  <a:txBody>
+                    <a:bodyPr/>
+                    <a:lstStyle/>
+                    <a:p>
+                      <a:r>
+                        <a:rPr lang="en-US" b="1" dirty="0" smtClean="0"/>
+                        <a:t>Risk</a:t>
+                      </a:r>
+                      <a:endParaRPr lang="en-US" b="1" dirty="0"/>
+                    </a:p>
+                  </a:txBody>
+                  <a:tcPr/>
+                </a:tc>
+                <a:tc>
+                  <a:txBody>
+                    <a:bodyPr/>
+                    <a:lstStyle/>
+                    <a:p>
+                      <a:r>
+                        <a:rPr lang="en-US" b="1" dirty="0" smtClean="0"/>
+                        <a:t>Sensitivity</a:t>
+                      </a:r>
+                      <a:endParaRPr lang="en-US" b="1" dirty="0"/>
+                    </a:p>
+                  </a:txBody>
+                  <a:tcPr/>
+                </a:tc>
+                <a:tc>
+                  <a:txBody>
+                    <a:bodyPr/>
+                    <a:lstStyle/>
+                    <a:p>
+                      <a:r>
+                        <a:rPr lang="en-US" b="1" dirty="0" smtClean="0"/>
+                        <a:t>Tradeoff</a:t>
+                      </a:r>
+                      <a:endParaRPr lang="en-US" b="1" dirty="0"/>
+                    </a:p>
+                  </a:txBody>
+                  <a:tcPr/>
+                </a:tc>
+              </a:tr>
+              <a:tr h="370840">
+                <a:tc>
+                  <a:txBody>
+                    <a:bodyPr/>
+                    <a:lstStyle/>
+                    <a:p>
+                      <a:r>
+                        <a:rPr lang="en-US" b="0" dirty="0" smtClean="0"/>
+                        <a:t>Pub-Sub architecture</a:t>
+                      </a:r>
+                      <a:endParaRPr lang="en-US" b="0" dirty="0"/>
+                    </a:p>
+                  </a:txBody>
+                  <a:tcPr/>
+                </a:tc>
+                <a:tc>
+                  <a:txBody>
+                    <a:bodyPr/>
+                    <a:lstStyle/>
+                    <a:p>
+                      <a:r>
+                        <a:rPr lang="en-US" b="0" dirty="0" smtClean="0"/>
+                        <a:t>R2</a:t>
+                      </a:r>
+                      <a:endParaRPr lang="en-US" b="0" dirty="0"/>
+                    </a:p>
+                  </a:txBody>
+                  <a:tcPr/>
+                </a:tc>
+                <a:tc>
+                  <a:txBody>
+                    <a:bodyPr/>
+                    <a:lstStyle/>
+                    <a:p>
+                      <a:r>
+                        <a:rPr lang="en-US" b="0" dirty="0" smtClean="0"/>
+                        <a:t>S3</a:t>
+                      </a:r>
+                      <a:endParaRPr lang="en-US" b="0" dirty="0"/>
+                    </a:p>
+                  </a:txBody>
+                  <a:tcPr/>
+                </a:tc>
+                <a:tc>
+                  <a:txBody>
+                    <a:bodyPr/>
+                    <a:lstStyle/>
+                    <a:p>
+                      <a:r>
+                        <a:rPr lang="en-US" b="0" dirty="0" smtClean="0"/>
+                        <a:t>T1</a:t>
+                      </a:r>
+                      <a:endParaRPr lang="en-US" b="0" dirty="0"/>
+                    </a:p>
+                  </a:txBody>
+                  <a:tcPr/>
+                </a:tc>
+              </a:tr>
+              <a:tr h="370840">
+                <a:tc>
+                  <a:txBody>
+                    <a:bodyPr/>
+                    <a:lstStyle/>
+                    <a:p>
+                      <a:r>
+                        <a:rPr lang="en-US" b="0" dirty="0" smtClean="0"/>
+                        <a:t>Backup sub-systems</a:t>
+                      </a:r>
+                      <a:endParaRPr lang="en-US" b="0" dirty="0"/>
+                    </a:p>
+                  </a:txBody>
+                  <a:tcPr/>
+                </a:tc>
+                <a:tc>
+                  <a:txBody>
+                    <a:bodyPr/>
+                    <a:lstStyle/>
+                    <a:p>
+                      <a:r>
+                        <a:rPr lang="en-US" b="0" dirty="0" smtClean="0"/>
+                        <a:t>R3</a:t>
+                      </a:r>
+                      <a:endParaRPr lang="en-US" b="0" dirty="0"/>
+                    </a:p>
+                  </a:txBody>
+                  <a:tcPr/>
+                </a:tc>
+                <a:tc>
+                  <a:txBody>
+                    <a:bodyPr/>
+                    <a:lstStyle/>
+                    <a:p>
+                      <a:r>
+                        <a:rPr lang="en-US" b="0" dirty="0" smtClean="0"/>
+                        <a:t>S2</a:t>
+                      </a:r>
+                      <a:endParaRPr lang="en-US" b="0" dirty="0"/>
+                    </a:p>
+                  </a:txBody>
+                  <a:tcPr/>
+                </a:tc>
+                <a:tc>
+                  <a:txBody>
+                    <a:bodyPr/>
+                    <a:lstStyle/>
+                    <a:p>
+                      <a:endParaRPr lang="en-US" b="0" dirty="0"/>
+                    </a:p>
+                  </a:txBody>
+                  <a:tcPr/>
+                </a:tc>
+              </a:tr>
+              <a:tr h="370840">
+                <a:tc>
+                  <a:txBody>
+                    <a:bodyPr/>
+                    <a:lstStyle/>
+                    <a:p>
+                      <a:r>
+                        <a:rPr lang="en-US" b="0" dirty="0" smtClean="0"/>
+                        <a:t>No backup data channel</a:t>
+                      </a:r>
+                      <a:endParaRPr lang="en-US" b="0" dirty="0"/>
+                    </a:p>
+                  </a:txBody>
+                  <a:tcPr/>
+                </a:tc>
+                <a:tc>
+                  <a:txBody>
+                    <a:bodyPr/>
+                    <a:lstStyle/>
+                    <a:p>
+                      <a:r>
+                        <a:rPr lang="en-US" b="0" dirty="0" smtClean="0"/>
+                        <a:t>R4</a:t>
+                      </a:r>
+                      <a:endParaRPr lang="en-US" b="0" dirty="0"/>
+                    </a:p>
+                  </a:txBody>
+                  <a:tcPr/>
+                </a:tc>
+                <a:tc>
+                  <a:txBody>
+                    <a:bodyPr/>
+                    <a:lstStyle/>
+                    <a:p>
+                      <a:r>
+                        <a:rPr lang="en-US" b="0" dirty="0" smtClean="0"/>
+                        <a:t>S4</a:t>
+                      </a:r>
+                      <a:endParaRPr lang="en-US" b="0" dirty="0"/>
+                    </a:p>
+                  </a:txBody>
+                  <a:tcPr/>
+                </a:tc>
+                <a:tc>
+                  <a:txBody>
+                    <a:bodyPr/>
+                    <a:lstStyle/>
+                    <a:p>
+                      <a:r>
+                        <a:rPr lang="en-US" b="0" dirty="0" smtClean="0"/>
+                        <a:t>T3</a:t>
+                      </a:r>
+                      <a:endParaRPr lang="en-US" b="0" dirty="0"/>
+                    </a:p>
+                  </a:txBody>
+                  <a:tcPr/>
+                </a:tc>
+              </a:tr>
+              <a:tr h="370840">
+                <a:tc gridSpan="4">
+                  <a:txBody>
+                    <a:bodyPr/>
+                    <a:lstStyle/>
+                    <a:p>
+                      <a:r>
+                        <a:rPr lang="en-US" b="1" dirty="0" smtClean="0"/>
+                        <a:t>Reasoning</a:t>
+                      </a:r>
+                      <a:endParaRPr lang="en-US" b="1" dirty="0"/>
+                    </a:p>
+                  </a:txBody>
+                  <a:tcPr/>
+                </a:tc>
+                <a:tc hMerge="1">
+                  <a:txBody>
+                    <a:bodyPr/>
+                    <a:lstStyle/>
+                    <a:p>
+                      <a:endParaRPr lang="en-US" b="0" dirty="0"/>
+                    </a:p>
+                  </a:txBody>
+                  <a:tcPr/>
+                </a:tc>
+                <a:tc hMerge="1">
+                  <a:txBody>
+                    <a:bodyPr/>
+                    <a:lstStyle/>
+                    <a:p>
+                      <a:endParaRPr lang="en-US" b="0" dirty="0"/>
+                    </a:p>
+                  </a:txBody>
+                  <a:tcPr/>
+                </a:tc>
+                <a:tc hMerge="1">
+                  <a:txBody>
+                    <a:bodyPr/>
+                    <a:lstStyle/>
+                    <a:p>
+                      <a:endParaRPr lang="en-US" b="0" dirty="0"/>
+                    </a:p>
+                  </a:txBody>
+                  <a:tcPr/>
+                </a:tc>
+              </a:tr>
+              <a:tr h="370840">
+                <a:tc gridSpan="4">
+                  <a:txBody>
+                    <a:bodyPr/>
+                    <a:lstStyle/>
+                    <a:p>
+                      <a:r>
+                        <a:rPr lang="en-US" b="0" dirty="0" smtClean="0"/>
+                        <a:t>Pub-sub</a:t>
+                      </a:r>
+                      <a:r>
+                        <a:rPr lang="en-US" b="0" baseline="0" dirty="0" smtClean="0"/>
+                        <a:t> architecture achieves availability by providing possibility for additional subscribers (S3)</a:t>
+                      </a:r>
+                      <a:endParaRPr lang="en-US" b="0" dirty="0"/>
+                    </a:p>
+                  </a:txBody>
+                  <a:tcPr/>
+                </a:tc>
+                <a:tc hMerge="1">
+                  <a:txBody>
+                    <a:bodyPr/>
+                    <a:lstStyle/>
+                    <a:p>
+                      <a:endParaRPr lang="en-US"/>
+                    </a:p>
+                  </a:txBody>
+                  <a:tcPr/>
+                </a:tc>
+                <a:tc hMerge="1">
+                  <a:txBody>
+                    <a:bodyPr/>
+                    <a:lstStyle/>
+                    <a:p>
+                      <a:endParaRPr lang="en-US"/>
+                    </a:p>
+                  </a:txBody>
+                  <a:tcPr/>
+                </a:tc>
+                <a:tc hMerge="1">
+                  <a:txBody>
+                    <a:bodyPr/>
+                    <a:lstStyle/>
+                    <a:p>
+                      <a:endParaRPr lang="en-US"/>
+                    </a:p>
+                  </a:txBody>
+                  <a:tcPr/>
+                </a:tc>
+              </a:tr>
+              <a:tr h="370840">
+                <a:tc gridSpan="4">
+                  <a:txBody>
+                    <a:bodyPr/>
+                    <a:lstStyle/>
+                    <a:p>
+                      <a:r>
+                        <a:rPr lang="en-US" b="0" dirty="0" smtClean="0"/>
+                        <a:t>Publishers only</a:t>
+                      </a:r>
+                      <a:r>
+                        <a:rPr lang="en-US" b="0" baseline="0" dirty="0" smtClean="0"/>
+                        <a:t> send messages to the event bus and are not directly connected to subscribers</a:t>
+                      </a:r>
+                      <a:endParaRPr lang="en-US" b="0" dirty="0"/>
+                    </a:p>
+                  </a:txBody>
+                  <a:tcPr/>
+                </a:tc>
+                <a:tc hMerge="1">
+                  <a:txBody>
+                    <a:bodyPr/>
+                    <a:lstStyle/>
+                    <a:p>
+                      <a:endParaRPr lang="en-US"/>
+                    </a:p>
+                  </a:txBody>
+                  <a:tcPr/>
+                </a:tc>
+                <a:tc hMerge="1">
+                  <a:txBody>
+                    <a:bodyPr/>
+                    <a:lstStyle/>
+                    <a:p>
+                      <a:endParaRPr lang="en-US"/>
+                    </a:p>
+                  </a:txBody>
+                  <a:tcPr/>
+                </a:tc>
+                <a:tc hMerge="1">
+                  <a:txBody>
+                    <a:bodyPr/>
+                    <a:lstStyle/>
+                    <a:p>
+                      <a:endParaRPr lang="en-US"/>
+                    </a:p>
+                  </a:txBody>
+                  <a:tcPr/>
+                </a:tc>
+              </a:tr>
+              <a:tr h="370840">
+                <a:tc gridSpan="4">
+                  <a:txBody>
+                    <a:bodyPr/>
+                    <a:lstStyle/>
+                    <a:p>
+                      <a:pPr marL="0" marR="0" indent="0" algn="l" defTabSz="914400" rtl="0" eaLnBrk="1" fontAlgn="auto" latinLnBrk="0" hangingPunct="1">
+                        <a:lnSpc>
+                          <a:spcPct val="100000"/>
+                        </a:lnSpc>
+                        <a:spcBef>
+                          <a:spcPts val="0"/>
+                        </a:spcBef>
+                        <a:spcAft>
+                          <a:spcPts val="0"/>
+                        </a:spcAft>
+                        <a:buClrTx/>
+                        <a:buSzTx/>
+                        <a:buFontTx/>
+                        <a:buNone/>
+                        <a:tabLst/>
+                        <a:defRPr/>
+                      </a:pPr>
+                      <a:r>
+                        <a:rPr lang="en-US" b="0" dirty="0" smtClean="0"/>
+                        <a:t>Backup</a:t>
+                      </a:r>
+                      <a:r>
+                        <a:rPr lang="en-US" b="0" baseline="0" dirty="0" smtClean="0"/>
+                        <a:t> system can be available reasonably fast considering (S2)</a:t>
+                      </a:r>
+                      <a:endParaRPr lang="en-US" b="0" dirty="0" smtClean="0"/>
+                    </a:p>
+                  </a:txBody>
+                  <a:tcPr/>
+                </a:tc>
+                <a:tc hMerge="1">
+                  <a:txBody>
+                    <a:bodyPr/>
+                    <a:lstStyle/>
+                    <a:p>
+                      <a:endParaRPr lang="en-US"/>
+                    </a:p>
+                  </a:txBody>
+                  <a:tcPr/>
+                </a:tc>
+                <a:tc hMerge="1">
+                  <a:txBody>
+                    <a:bodyPr/>
+                    <a:lstStyle/>
+                    <a:p>
+                      <a:endParaRPr lang="en-US"/>
+                    </a:p>
+                  </a:txBody>
+                  <a:tcPr/>
+                </a:tc>
+                <a:tc hMerge="1">
+                  <a:txBody>
+                    <a:bodyPr/>
+                    <a:lstStyle/>
+                    <a:p>
+                      <a:endParaRPr lang="en-US"/>
+                    </a:p>
+                  </a:txBody>
+                  <a:tcPr/>
+                </a:tc>
+              </a:tr>
+            </a:tbl>
+          </a:graphicData>
+        </a:graphic>
+      </p:graphicFrame>
+    </p:spTree>
+  </p:cSld>
+  <p:clrMapOvr>
+    <a:masterClrMapping/>
+  </p:clrMapOvr>
+  <p:timing>
+    <p:tnLst>
+      <p:par>
+        <p:cTn id="1" dur="indefinite" restart="never" nodeType="tmRoot"/>
+      </p:par>
+    </p:tnLst>
+  </p:timing>
+</p:sld>
+</file>
+
+<file path=ppt/slides/slide29.xml><?xml version="1.0" encoding="utf-8"?>
+<p:sld xmlns:a="http://schemas.openxmlformats.org/drawingml/2006/main" xmlns:r="http://schemas.openxmlformats.org/officeDocument/2006/relationships" xmlns:mc="http://schemas.openxmlformats.org/markup-compatibility/2006" xmlns:mv="urn:schemas-microsoft-com:mac:vml" xmlns:p="http://schemas.openxmlformats.org/presentationml/2006/main" mc:Ignorable="mv" mc:PreserveAttributes="mv:*">
+  <p:cSld>
+    <p:spTree>
+      <p:nvGrpSpPr>
+        <p:cNvPr id="1" name=""/>
+        <p:cNvGrpSpPr/>
+        <p:nvPr/>
+      </p:nvGrpSpPr>
+      <p:grpSpPr>
+        <a:xfrm>
+          <a:off x="0" y="0"/>
+          <a:ext cx="0" cy="0"/>
+          <a:chOff x="0" y="0"/>
+          <a:chExt cx="0" cy="0"/>
+        </a:xfrm>
+      </p:grpSpPr>
+      <p:sp>
+        <p:nvSpPr>
+          <p:cNvPr id="2" name="Title 1"/>
+          <p:cNvSpPr>
+            <a:spLocks noGrp="1"/>
+          </p:cNvSpPr>
+          <p:nvPr>
+            <p:ph type="ctrTitle"/>
+          </p:nvPr>
+        </p:nvSpPr>
+        <p:spPr/>
+        <p:txBody>
+          <a:bodyPr/>
+          <a:lstStyle/>
+          <a:p>
+            <a:r>
+              <a:rPr lang="en-US" dirty="0" smtClean="0"/>
+              <a:t>Risks</a:t>
+            </a:r>
+            <a:endParaRPr lang="en-US" dirty="0"/>
+          </a:p>
+        </p:txBody>
+      </p:sp>
+      <p:sp>
+        <p:nvSpPr>
+          <p:cNvPr id="3" name="Text Placeholder 2"/>
+          <p:cNvSpPr>
+            <a:spLocks noGrp="1"/>
+          </p:cNvSpPr>
+          <p:nvPr>
+            <p:ph type="body" sz="quarter" idx="10"/>
+          </p:nvPr>
+        </p:nvSpPr>
+        <p:spPr/>
+        <p:txBody>
+          <a:bodyPr/>
+          <a:lstStyle/>
+          <a:p>
+            <a:endParaRPr lang="en-US" dirty="0"/>
+          </a:p>
+        </p:txBody>
+      </p:sp>
+      <p:graphicFrame>
+        <p:nvGraphicFramePr>
+          <p:cNvPr id="4" name="Table 3"/>
+          <p:cNvGraphicFramePr>
+            <a:graphicFrameLocks noGrp="1"/>
+          </p:cNvGraphicFramePr>
+          <p:nvPr/>
+        </p:nvGraphicFramePr>
+        <p:xfrm>
+          <a:off x="304800" y="1905000"/>
+          <a:ext cx="8458200" cy="3388359"/>
+        </p:xfrm>
+        <a:graphic>
+          <a:graphicData uri="http://schemas.openxmlformats.org/drawingml/2006/table">
+            <a:tbl>
+              <a:tblPr firstRow="1" bandRow="1">
+                <a:tableStyleId>{5C22544A-7EE6-4342-B048-85BDC9FD1C3A}</a:tableStyleId>
+              </a:tblPr>
+              <a:tblGrid>
+                <a:gridCol w="1600200"/>
+                <a:gridCol w="6858000"/>
+              </a:tblGrid>
+              <a:tr h="370840">
+                <a:tc>
+                  <a:txBody>
+                    <a:bodyPr/>
+                    <a:lstStyle/>
+                    <a:p>
+                      <a:r>
+                        <a:rPr lang="en-US" dirty="0" smtClean="0"/>
+                        <a:t>Risk</a:t>
+                      </a:r>
+                      <a:endParaRPr lang="en-US" dirty="0"/>
+                    </a:p>
+                  </a:txBody>
+                  <a:tcPr/>
+                </a:tc>
+                <a:tc>
+                  <a:txBody>
+                    <a:bodyPr/>
+                    <a:lstStyle/>
+                    <a:p>
+                      <a:r>
+                        <a:rPr lang="en-US" dirty="0" smtClean="0"/>
+                        <a:t>Description</a:t>
+                      </a:r>
+                      <a:endParaRPr lang="en-US" dirty="0"/>
+                    </a:p>
+                  </a:txBody>
+                  <a:tcPr/>
+                </a:tc>
+              </a:tr>
+              <a:tr h="370840">
+                <a:tc>
+                  <a:txBody>
+                    <a:bodyPr/>
+                    <a:lstStyle/>
+                    <a:p>
+                      <a:r>
+                        <a:rPr lang="en-US" b="1" dirty="0" smtClean="0"/>
+                        <a:t>R2</a:t>
+                      </a:r>
+                      <a:endParaRPr lang="en-US" b="1" dirty="0"/>
+                    </a:p>
+                  </a:txBody>
+                  <a:tcPr/>
+                </a:tc>
+                <a:tc>
+                  <a:txBody>
+                    <a:bodyPr/>
+                    <a:lstStyle/>
+                    <a:p>
+                      <a:r>
+                        <a:rPr lang="en-US" dirty="0" smtClean="0"/>
+                        <a:t>Pub-Sub</a:t>
+                      </a:r>
+                      <a:r>
+                        <a:rPr lang="en-US" baseline="0" dirty="0" smtClean="0"/>
+                        <a:t> architecture contains the event bus. Availability may be compromised if the bus clogs down and messages won’t get through. This will happen If there is a swarm of messages that cannot be handled fast enough.</a:t>
+                      </a:r>
+                      <a:endParaRPr lang="en-US" dirty="0"/>
+                    </a:p>
+                  </a:txBody>
+                  <a:tcPr/>
+                </a:tc>
+              </a:tr>
+              <a:tr h="370840">
+                <a:tc>
+                  <a:txBody>
+                    <a:bodyPr/>
+                    <a:lstStyle/>
+                    <a:p>
+                      <a:r>
+                        <a:rPr lang="en-US" b="1" dirty="0" smtClean="0"/>
+                        <a:t>R3</a:t>
+                      </a:r>
+                      <a:endParaRPr lang="en-US" b="1" dirty="0"/>
+                    </a:p>
+                  </a:txBody>
+                  <a:tcPr/>
+                </a:tc>
+                <a:tc>
+                  <a:txBody>
+                    <a:bodyPr/>
+                    <a:lstStyle/>
+                    <a:p>
+                      <a:r>
+                        <a:rPr lang="en-US" dirty="0" smtClean="0"/>
+                        <a:t>If backup</a:t>
+                      </a:r>
+                      <a:r>
+                        <a:rPr lang="en-US" baseline="0" dirty="0" smtClean="0"/>
+                        <a:t> system has inconsistent data with the actual system, </a:t>
+                      </a:r>
+                      <a:r>
+                        <a:rPr lang="en-US" dirty="0" smtClean="0"/>
+                        <a:t>availability</a:t>
+                      </a:r>
+                      <a:r>
+                        <a:rPr lang="en-US" baseline="0" dirty="0" smtClean="0"/>
+                        <a:t> of the system might be compromised. This will happen when messages in queue are not delivered to recipients.</a:t>
+                      </a:r>
+                      <a:endParaRPr lang="en-US" dirty="0"/>
+                    </a:p>
+                  </a:txBody>
+                  <a:tcPr/>
+                </a:tc>
+              </a:tr>
+              <a:tr h="370840">
+                <a:tc>
+                  <a:txBody>
+                    <a:bodyPr/>
+                    <a:lstStyle/>
+                    <a:p>
+                      <a:r>
+                        <a:rPr lang="en-US" b="1" dirty="0" smtClean="0"/>
+                        <a:t>R4</a:t>
+                      </a:r>
+                      <a:endParaRPr lang="en-US" b="1" dirty="0"/>
+                    </a:p>
+                  </a:txBody>
+                  <a:tcPr/>
+                </a:tc>
+                <a:tc>
+                  <a:txBody>
+                    <a:bodyPr/>
+                    <a:lstStyle/>
+                    <a:p>
+                      <a:r>
+                        <a:rPr lang="en-US" dirty="0" smtClean="0"/>
+                        <a:t>There is only one data channel. If</a:t>
+                      </a:r>
+                      <a:r>
+                        <a:rPr lang="en-US" baseline="0" dirty="0" smtClean="0"/>
+                        <a:t> there is a malfunction in the channel, the availability of the system is compromised. This happens for example if the physical data cable breaks down.</a:t>
+                      </a:r>
+                      <a:endParaRPr lang="en-US" dirty="0"/>
+                    </a:p>
+                  </a:txBody>
+                  <a:tcPr/>
+                </a:tc>
+              </a:tr>
+            </a:tbl>
+          </a:graphicData>
+        </a:graphic>
+      </p:graphicFrame>
+    </p:spTree>
+  </p:cSld>
+  <p:clrMapOvr>
+    <a:masterClrMapping/>
+  </p:clrMapOvr>
+  <p:timing>
+    <p:tnLst>
+      <p:par>
+        <p:cTn id="1" dur="indefinite" restart="never" nodeType="tmRoot"/>
+      </p:par>
+    </p:tnLst>
+  </p:timing>
+</p:sld>
+</file>
+
 <file path=ppt/slides/slide3.xml><?xml version="1.0" encoding="utf-8"?>
 <p:sld xmlns:a="http://schemas.openxmlformats.org/drawingml/2006/main" xmlns:r="http://schemas.openxmlformats.org/officeDocument/2006/relationships" xmlns:mc="http://schemas.openxmlformats.org/markup-compatibility/2006" xmlns:mv="urn:schemas-microsoft-com:mac:vml" xmlns:p="http://schemas.openxmlformats.org/presentationml/2006/main" mc:Ignorable="mv" mc:PreserveAttributes="mv:*">
   <p:cSld>
@@ -23670,6 +24723,438 @@
       </p:par>
     </p:tnLst>
   </p:timing>
+</p:sld>
+</file>
+
+<file path=ppt/slides/slide30.xml><?xml version="1.0" encoding="utf-8"?>
+<p:sld xmlns:a="http://schemas.openxmlformats.org/drawingml/2006/main" xmlns:r="http://schemas.openxmlformats.org/officeDocument/2006/relationships" xmlns:mc="http://schemas.openxmlformats.org/markup-compatibility/2006" xmlns:mv="urn:schemas-microsoft-com:mac:vml" xmlns:p="http://schemas.openxmlformats.org/presentationml/2006/main" mc:Ignorable="mv" mc:PreserveAttributes="mv:*">
+  <p:cSld>
+    <p:spTree>
+      <p:nvGrpSpPr>
+        <p:cNvPr id="1" name=""/>
+        <p:cNvGrpSpPr/>
+        <p:nvPr/>
+      </p:nvGrpSpPr>
+      <p:grpSpPr>
+        <a:xfrm>
+          <a:off x="0" y="0"/>
+          <a:ext cx="0" cy="0"/>
+          <a:chOff x="0" y="0"/>
+          <a:chExt cx="0" cy="0"/>
+        </a:xfrm>
+      </p:grpSpPr>
+      <p:sp>
+        <p:nvSpPr>
+          <p:cNvPr id="2" name="Title 1"/>
+          <p:cNvSpPr>
+            <a:spLocks noGrp="1"/>
+          </p:cNvSpPr>
+          <p:nvPr>
+            <p:ph type="ctrTitle"/>
+          </p:nvPr>
+        </p:nvSpPr>
+        <p:spPr/>
+        <p:txBody>
+          <a:bodyPr/>
+          <a:lstStyle/>
+          <a:p>
+            <a:r>
+              <a:rPr lang="en-US" dirty="0" smtClean="0"/>
+              <a:t>Sensitivity points</a:t>
+            </a:r>
+            <a:endParaRPr lang="en-US" dirty="0"/>
+          </a:p>
+        </p:txBody>
+      </p:sp>
+      <p:sp>
+        <p:nvSpPr>
+          <p:cNvPr id="3" name="Text Placeholder 2"/>
+          <p:cNvSpPr>
+            <a:spLocks noGrp="1"/>
+          </p:cNvSpPr>
+          <p:nvPr>
+            <p:ph type="body" sz="quarter" idx="10"/>
+          </p:nvPr>
+        </p:nvSpPr>
+        <p:spPr/>
+        <p:txBody>
+          <a:bodyPr/>
+          <a:lstStyle/>
+          <a:p>
+            <a:endParaRPr lang="en-US" dirty="0"/>
+          </a:p>
+        </p:txBody>
+      </p:sp>
+      <p:graphicFrame>
+        <p:nvGraphicFramePr>
+          <p:cNvPr id="4" name="Table 3"/>
+          <p:cNvGraphicFramePr>
+            <a:graphicFrameLocks noGrp="1"/>
+          </p:cNvGraphicFramePr>
+          <p:nvPr/>
+        </p:nvGraphicFramePr>
+        <p:xfrm>
+          <a:off x="304800" y="1828800"/>
+          <a:ext cx="8458201" cy="3114039"/>
+        </p:xfrm>
+        <a:graphic>
+          <a:graphicData uri="http://schemas.openxmlformats.org/drawingml/2006/table">
+            <a:tbl>
+              <a:tblPr firstRow="1" bandRow="1">
+                <a:tableStyleId>{5C22544A-7EE6-4342-B048-85BDC9FD1C3A}</a:tableStyleId>
+              </a:tblPr>
+              <a:tblGrid>
+                <a:gridCol w="2431733"/>
+                <a:gridCol w="6026468"/>
+              </a:tblGrid>
+              <a:tr h="370840">
+                <a:tc>
+                  <a:txBody>
+                    <a:bodyPr/>
+                    <a:lstStyle/>
+                    <a:p>
+                      <a:r>
+                        <a:rPr lang="en-US" dirty="0" smtClean="0"/>
+                        <a:t>Sensitivity</a:t>
+                      </a:r>
+                      <a:r>
+                        <a:rPr lang="en-US" baseline="0" dirty="0" smtClean="0"/>
+                        <a:t> Point</a:t>
+                      </a:r>
+                      <a:endParaRPr lang="en-US" dirty="0"/>
+                    </a:p>
+                  </a:txBody>
+                  <a:tcPr/>
+                </a:tc>
+                <a:tc>
+                  <a:txBody>
+                    <a:bodyPr/>
+                    <a:lstStyle/>
+                    <a:p>
+                      <a:r>
+                        <a:rPr lang="en-US" dirty="0" smtClean="0"/>
+                        <a:t>Description</a:t>
+                      </a:r>
+                      <a:endParaRPr lang="en-US" dirty="0"/>
+                    </a:p>
+                  </a:txBody>
+                  <a:tcPr/>
+                </a:tc>
+              </a:tr>
+              <a:tr h="370840">
+                <a:tc>
+                  <a:txBody>
+                    <a:bodyPr/>
+                    <a:lstStyle/>
+                    <a:p>
+                      <a:r>
+                        <a:rPr lang="en-US" b="1" dirty="0" smtClean="0"/>
+                        <a:t>S2</a:t>
+                      </a:r>
+                      <a:endParaRPr lang="en-US" b="1" dirty="0"/>
+                    </a:p>
+                  </a:txBody>
+                  <a:tcPr/>
+                </a:tc>
+                <a:tc>
+                  <a:txBody>
+                    <a:bodyPr/>
+                    <a:lstStyle/>
+                    <a:p>
+                      <a:r>
+                        <a:rPr lang="en-US" dirty="0" smtClean="0"/>
+                        <a:t>Response time of the backup system is sensitive to the readiness of back</a:t>
+                      </a:r>
+                      <a:r>
+                        <a:rPr lang="en-US" baseline="0" dirty="0" smtClean="0"/>
+                        <a:t>up system. Options are for example it can be turned off, turned on, or even turned on and actively synchronized</a:t>
+                      </a:r>
+                      <a:endParaRPr lang="en-US" dirty="0"/>
+                    </a:p>
+                  </a:txBody>
+                  <a:tcPr/>
+                </a:tc>
+              </a:tr>
+              <a:tr h="370840">
+                <a:tc>
+                  <a:txBody>
+                    <a:bodyPr/>
+                    <a:lstStyle/>
+                    <a:p>
+                      <a:r>
+                        <a:rPr lang="en-US" b="1" dirty="0" smtClean="0"/>
+                        <a:t>S3</a:t>
+                      </a:r>
+                      <a:endParaRPr lang="en-US" b="1" dirty="0"/>
+                    </a:p>
+                  </a:txBody>
+                  <a:tcPr/>
+                </a:tc>
+                <a:tc>
+                  <a:txBody>
+                    <a:bodyPr/>
+                    <a:lstStyle/>
+                    <a:p>
+                      <a:r>
+                        <a:rPr lang="en-US" dirty="0" smtClean="0"/>
+                        <a:t>The latency</a:t>
+                      </a:r>
+                      <a:r>
+                        <a:rPr lang="en-US" baseline="0" dirty="0" smtClean="0"/>
+                        <a:t> for handling messages is sensitive to t</a:t>
+                      </a:r>
+                      <a:r>
+                        <a:rPr lang="en-US" dirty="0" smtClean="0"/>
+                        <a:t>he</a:t>
+                      </a:r>
+                      <a:r>
+                        <a:rPr lang="en-US" baseline="0" dirty="0" smtClean="0"/>
+                        <a:t> ratio between publishers and subscribers. If there are too many publishers per subscriber latency will increase.</a:t>
+                      </a:r>
+                      <a:endParaRPr lang="en-US" dirty="0"/>
+                    </a:p>
+                  </a:txBody>
+                  <a:tcPr/>
+                </a:tc>
+              </a:tr>
+              <a:tr h="370840">
+                <a:tc>
+                  <a:txBody>
+                    <a:bodyPr/>
+                    <a:lstStyle/>
+                    <a:p>
+                      <a:r>
+                        <a:rPr lang="en-US" b="1" dirty="0" smtClean="0"/>
+                        <a:t>S4</a:t>
+                      </a:r>
+                      <a:endParaRPr lang="en-US" b="1" dirty="0"/>
+                    </a:p>
+                  </a:txBody>
+                  <a:tcPr/>
+                </a:tc>
+                <a:tc>
+                  <a:txBody>
+                    <a:bodyPr/>
+                    <a:lstStyle/>
+                    <a:p>
+                      <a:r>
+                        <a:rPr lang="en-US" dirty="0" smtClean="0"/>
+                        <a:t>Performance of the system is sensitive</a:t>
+                      </a:r>
+                      <a:r>
+                        <a:rPr lang="en-US" baseline="0" dirty="0" smtClean="0"/>
+                        <a:t> to the bandwidth of the data channel.</a:t>
+                      </a:r>
+                      <a:endParaRPr lang="en-US" dirty="0"/>
+                    </a:p>
+                  </a:txBody>
+                  <a:tcPr/>
+                </a:tc>
+              </a:tr>
+            </a:tbl>
+          </a:graphicData>
+        </a:graphic>
+      </p:graphicFrame>
+    </p:spTree>
+  </p:cSld>
+  <p:clrMapOvr>
+    <a:masterClrMapping/>
+  </p:clrMapOvr>
+</p:sld>
+</file>
+
+<file path=ppt/slides/slide31.xml><?xml version="1.0" encoding="utf-8"?>
+<p:sld xmlns:a="http://schemas.openxmlformats.org/drawingml/2006/main" xmlns:r="http://schemas.openxmlformats.org/officeDocument/2006/relationships" xmlns:mc="http://schemas.openxmlformats.org/markup-compatibility/2006" xmlns:mv="urn:schemas-microsoft-com:mac:vml" xmlns:p="http://schemas.openxmlformats.org/presentationml/2006/main" mc:Ignorable="mv" mc:PreserveAttributes="mv:*">
+  <p:cSld>
+    <p:spTree>
+      <p:nvGrpSpPr>
+        <p:cNvPr id="1" name=""/>
+        <p:cNvGrpSpPr/>
+        <p:nvPr/>
+      </p:nvGrpSpPr>
+      <p:grpSpPr>
+        <a:xfrm>
+          <a:off x="0" y="0"/>
+          <a:ext cx="0" cy="0"/>
+          <a:chOff x="0" y="0"/>
+          <a:chExt cx="0" cy="0"/>
+        </a:xfrm>
+      </p:grpSpPr>
+      <p:sp>
+        <p:nvSpPr>
+          <p:cNvPr id="2" name="Title 1"/>
+          <p:cNvSpPr>
+            <a:spLocks noGrp="1"/>
+          </p:cNvSpPr>
+          <p:nvPr>
+            <p:ph type="ctrTitle"/>
+          </p:nvPr>
+        </p:nvSpPr>
+        <p:spPr/>
+        <p:txBody>
+          <a:bodyPr/>
+          <a:lstStyle/>
+          <a:p>
+            <a:r>
+              <a:rPr lang="en-US" dirty="0" smtClean="0"/>
+              <a:t>tradeoff points</a:t>
+            </a:r>
+            <a:endParaRPr lang="en-US" dirty="0"/>
+          </a:p>
+        </p:txBody>
+      </p:sp>
+      <p:sp>
+        <p:nvSpPr>
+          <p:cNvPr id="3" name="Text Placeholder 2"/>
+          <p:cNvSpPr>
+            <a:spLocks noGrp="1"/>
+          </p:cNvSpPr>
+          <p:nvPr>
+            <p:ph type="body" sz="quarter" idx="10"/>
+          </p:nvPr>
+        </p:nvSpPr>
+        <p:spPr/>
+        <p:txBody>
+          <a:bodyPr/>
+          <a:lstStyle/>
+          <a:p>
+            <a:endParaRPr lang="en-US" dirty="0"/>
+          </a:p>
+        </p:txBody>
+      </p:sp>
+      <p:graphicFrame>
+        <p:nvGraphicFramePr>
+          <p:cNvPr id="4" name="Table 3"/>
+          <p:cNvGraphicFramePr>
+            <a:graphicFrameLocks noGrp="1"/>
+          </p:cNvGraphicFramePr>
+          <p:nvPr/>
+        </p:nvGraphicFramePr>
+        <p:xfrm>
+          <a:off x="304800" y="1828800"/>
+          <a:ext cx="8458201" cy="2473959"/>
+        </p:xfrm>
+        <a:graphic>
+          <a:graphicData uri="http://schemas.openxmlformats.org/drawingml/2006/table">
+            <a:tbl>
+              <a:tblPr firstRow="1" bandRow="1">
+                <a:tableStyleId>{5C22544A-7EE6-4342-B048-85BDC9FD1C3A}</a:tableStyleId>
+              </a:tblPr>
+              <a:tblGrid>
+                <a:gridCol w="2431733"/>
+                <a:gridCol w="6026468"/>
+              </a:tblGrid>
+              <a:tr h="370840">
+                <a:tc>
+                  <a:txBody>
+                    <a:bodyPr/>
+                    <a:lstStyle/>
+                    <a:p>
+                      <a:r>
+                        <a:rPr lang="en-US" dirty="0" smtClean="0"/>
+                        <a:t>Tradeoff</a:t>
+                      </a:r>
+                      <a:r>
+                        <a:rPr lang="en-US" baseline="0" dirty="0" smtClean="0"/>
+                        <a:t> Point</a:t>
+                      </a:r>
+                      <a:endParaRPr lang="en-US" dirty="0"/>
+                    </a:p>
+                  </a:txBody>
+                  <a:tcPr/>
+                </a:tc>
+                <a:tc>
+                  <a:txBody>
+                    <a:bodyPr/>
+                    <a:lstStyle/>
+                    <a:p>
+                      <a:r>
+                        <a:rPr lang="en-US" dirty="0" smtClean="0"/>
+                        <a:t>Description</a:t>
+                      </a:r>
+                      <a:endParaRPr lang="en-US" dirty="0"/>
+                    </a:p>
+                  </a:txBody>
+                  <a:tcPr/>
+                </a:tc>
+              </a:tr>
+              <a:tr h="370840">
+                <a:tc>
+                  <a:txBody>
+                    <a:bodyPr/>
+                    <a:lstStyle/>
+                    <a:p>
+                      <a:r>
+                        <a:rPr lang="en-US" b="1" dirty="0" smtClean="0"/>
+                        <a:t>T1</a:t>
+                      </a:r>
+                      <a:endParaRPr lang="en-US" b="1" dirty="0"/>
+                    </a:p>
+                  </a:txBody>
+                  <a:tcPr/>
+                </a:tc>
+                <a:tc>
+                  <a:txBody>
+                    <a:bodyPr/>
+                    <a:lstStyle/>
+                    <a:p>
+                      <a:r>
+                        <a:rPr lang="en-US" dirty="0" smtClean="0"/>
+                        <a:t>Pub-Sub architecture</a:t>
+                      </a:r>
+                      <a:r>
+                        <a:rPr lang="en-US" baseline="0" dirty="0" smtClean="0"/>
+                        <a:t> scales really well in smaller installations, but if the system becomes too large the large number of messages starts to clog down the system</a:t>
+                      </a:r>
+                      <a:endParaRPr lang="en-US" dirty="0"/>
+                    </a:p>
+                  </a:txBody>
+                  <a:tcPr/>
+                </a:tc>
+              </a:tr>
+              <a:tr h="370840">
+                <a:tc>
+                  <a:txBody>
+                    <a:bodyPr/>
+                    <a:lstStyle/>
+                    <a:p>
+                      <a:r>
+                        <a:rPr lang="en-US" b="1" dirty="0" smtClean="0"/>
+                        <a:t>T3</a:t>
+                      </a:r>
+                      <a:endParaRPr lang="en-US" b="1" dirty="0"/>
+                    </a:p>
+                  </a:txBody>
+                  <a:tcPr/>
+                </a:tc>
+                <a:tc>
+                  <a:txBody>
+                    <a:bodyPr/>
+                    <a:lstStyle/>
+                    <a:p>
+                      <a:r>
+                        <a:rPr lang="en-US" dirty="0" smtClean="0"/>
+                        <a:t>Using one data channel is good</a:t>
+                      </a:r>
+                      <a:r>
+                        <a:rPr lang="en-US" baseline="0" dirty="0" smtClean="0"/>
+                        <a:t> for performance of the system, but on the other hand it makes to system possibly vulnerable in regards to availability if there is a malfunction in the data channel</a:t>
+                      </a:r>
+                      <a:endParaRPr lang="en-US" dirty="0"/>
+                    </a:p>
+                  </a:txBody>
+                  <a:tcPr/>
+                </a:tc>
+              </a:tr>
+            </a:tbl>
+          </a:graphicData>
+        </a:graphic>
+      </p:graphicFrame>
+    </p:spTree>
+  </p:cSld>
+  <p:clrMapOvr>
+    <a:masterClrMapping/>
+  </p:clrMapOvr>
 </p:sld>
 </file>
 
